--- a/report/figures/figure.pptx
+++ b/report/figures/figure.pptx
@@ -6051,6 +6051,140 @@
           </a:fontRef>
         </p:style>
       </p:cxnSp>
+      <p:sp>
+        <p:nvSpPr>
+          <p:cNvPr id="131" name="椭圆 130">
+            <a:extLst>
+              <a:ext uri="{FF2B5EF4-FFF2-40B4-BE49-F238E27FC236}">
+                <a16:creationId xmlns:a16="http://schemas.microsoft.com/office/drawing/2014/main" id="{1DCD3701-328F-4236-81B8-9E9BCA7C7C0D}"/>
+              </a:ext>
+            </a:extLst>
+          </p:cNvPr>
+          <p:cNvSpPr/>
+          <p:nvPr/>
+        </p:nvSpPr>
+        <p:spPr>
+          <a:xfrm>
+            <a:off x="9280960" y="4670997"/>
+            <a:ext cx="224043" cy="224043"/>
+          </a:xfrm>
+          <a:prstGeom prst="ellipse">
+            <a:avLst/>
+          </a:prstGeom>
+          <a:noFill/>
+          <a:ln>
+            <a:solidFill>
+              <a:schemeClr val="tx1"/>
+            </a:solidFill>
+          </a:ln>
+        </p:spPr>
+        <p:style>
+          <a:lnRef idx="2">
+            <a:schemeClr val="accent1">
+              <a:shade val="50000"/>
+            </a:schemeClr>
+          </a:lnRef>
+          <a:fillRef idx="1">
+            <a:schemeClr val="accent1"/>
+          </a:fillRef>
+          <a:effectRef idx="0">
+            <a:schemeClr val="accent1"/>
+          </a:effectRef>
+          <a:fontRef idx="minor">
+            <a:schemeClr val="lt1"/>
+          </a:fontRef>
+        </p:style>
+        <p:txBody>
+          <a:bodyPr rtlCol="0" anchor="ctr"/>
+          <a:lstStyle/>
+          <a:p>
+            <a:pPr algn="ctr"/>
+            <a:endParaRPr lang="zh-CN" altLang="en-US"/>
+          </a:p>
+        </p:txBody>
+      </p:sp>
+      <p:cxnSp>
+        <p:nvCxnSpPr>
+          <p:cNvPr id="132" name="连接符: 肘形 131">
+            <a:extLst>
+              <a:ext uri="{FF2B5EF4-FFF2-40B4-BE49-F238E27FC236}">
+                <a16:creationId xmlns:a16="http://schemas.microsoft.com/office/drawing/2014/main" id="{EA3EC7D5-7CE0-4134-9987-515E600AAE58}"/>
+              </a:ext>
+            </a:extLst>
+          </p:cNvPr>
+          <p:cNvCxnSpPr/>
+          <p:nvPr/>
+        </p:nvCxnSpPr>
+        <p:spPr>
+          <a:xfrm flipV="1">
+            <a:off x="9315590" y="4735394"/>
+            <a:ext cx="154781" cy="95250"/>
+          </a:xfrm>
+          <a:prstGeom prst="bentConnector3">
+            <a:avLst/>
+          </a:prstGeom>
+          <a:ln w="19050"/>
+        </p:spPr>
+        <p:style>
+          <a:lnRef idx="1">
+            <a:schemeClr val="dk1"/>
+          </a:lnRef>
+          <a:fillRef idx="0">
+            <a:schemeClr val="dk1"/>
+          </a:fillRef>
+          <a:effectRef idx="0">
+            <a:schemeClr val="dk1"/>
+          </a:effectRef>
+          <a:fontRef idx="minor">
+            <a:schemeClr val="tx1"/>
+          </a:fontRef>
+        </p:style>
+      </p:cxnSp>
+      <p:sp>
+        <p:nvSpPr>
+          <p:cNvPr id="133" name="文本框 132">
+            <a:extLst>
+              <a:ext uri="{FF2B5EF4-FFF2-40B4-BE49-F238E27FC236}">
+                <a16:creationId xmlns:a16="http://schemas.microsoft.com/office/drawing/2014/main" id="{6B2CCC0F-5883-4AE6-B2AC-3BB67F613044}"/>
+              </a:ext>
+            </a:extLst>
+          </p:cNvPr>
+          <p:cNvSpPr txBox="1"/>
+          <p:nvPr/>
+        </p:nvSpPr>
+        <p:spPr>
+          <a:xfrm>
+            <a:off x="9470371" y="4639523"/>
+            <a:ext cx="1173480" cy="307777"/>
+          </a:xfrm>
+          <a:prstGeom prst="rect">
+            <a:avLst/>
+          </a:prstGeom>
+          <a:noFill/>
+        </p:spPr>
+        <p:txBody>
+          <a:bodyPr wrap="square" rtlCol="0">
+            <a:spAutoFit/>
+          </a:bodyPr>
+          <a:lstStyle/>
+          <a:p>
+            <a:r>
+              <a:rPr lang="en-US" altLang="zh-CN" sz="1400" dirty="0">
+                <a:latin typeface="宋体" panose="02010600030101010101" pitchFamily="2" charset="-122"/>
+                <a:ea typeface="宋体" panose="02010600030101010101" pitchFamily="2" charset="-122"/>
+              </a:rPr>
+              <a:t>:</a:t>
+            </a:r>
+            <a:r>
+              <a:rPr lang="zh-CN" altLang="en-US" sz="1400" dirty="0">
+                <a:latin typeface="宋体" panose="02010600030101010101" pitchFamily="2" charset="-122"/>
+                <a:ea typeface="宋体" panose="02010600030101010101" pitchFamily="2" charset="-122"/>
+              </a:rPr>
+              <a:t>激活函数</a:t>
+            </a:r>
+          </a:p>
+        </p:txBody>
+      </p:sp>
     </p:spTree>
     <p:extLst>
       <p:ext uri="{BB962C8B-B14F-4D97-AF65-F5344CB8AC3E}">
